--- a/Presentation_for_Capstone.pptx
+++ b/Presentation_for_Capstone.pptx
@@ -5186,8 +5186,8 @@
         </p:nvSpPr>
         <p:spPr>
           <a:xfrm rot="5400000">
-            <a:off x="1236723" y="1696617"/>
-            <a:ext cx="1519968" cy="338554"/>
+            <a:off x="1354351" y="1696617"/>
+            <a:ext cx="1284711" cy="338554"/>
           </a:xfrm>
           <a:prstGeom prst="rect">
             <a:avLst/>
@@ -5201,7 +5201,7 @@
           <a:lstStyle/>
           <a:p>
             <a:r>
-              <a:rPr lang="mn-MN" sz="1600" b="1" dirty="0">
+              <a:rPr lang="en-US" sz="1600" b="1" dirty="0">
                 <a:solidFill>
                   <a:schemeClr val="bg1"/>
                 </a:solidFill>
@@ -5209,7 +5209,7 @@
                 <a:ea typeface="Calibri" charset="0"/>
                 <a:cs typeface="Calibri" charset="0"/>
               </a:rPr>
-              <a:t>АППЛИКАЙШН</a:t>
+              <a:t>DASHBOARD</a:t>
             </a:r>
             <a:endParaRPr lang="en-US" sz="1600" dirty="0">
               <a:solidFill>
@@ -11725,7 +11725,7 @@
         </p:sp>
         <p:pic>
           <p:nvPicPr>
-            <p:cNvPr id="37" name="Picture 36"/>
+            <p:cNvPr id="37" name="Picture 36" descr="Single gear"/>
             <p:cNvPicPr>
               <a:picLocks noChangeAspect="1"/>
             </p:cNvPicPr>
@@ -11733,16 +11733,17 @@
           </p:nvPicPr>
           <p:blipFill>
             <a:blip r:embed="rId2" cstate="print">
-              <a:biLevel thresh="25000"/>
               <a:extLst>
                 <a:ext uri="{28A0092B-C50C-407E-A947-70E740481C1C}">
                   <a14:useLocalDpi xmlns:a14="http://schemas.microsoft.com/office/drawing/2010/main" val="0"/>
                 </a:ext>
+                <a:ext uri="{96DAC541-7B7A-43D3-8B79-37D633B846F1}">
+                  <asvg:svgBlip xmlns:asvg="http://schemas.microsoft.com/office/drawing/2016/SVG/main" r:embed="rId3"/>
+                </a:ext>
               </a:extLst>
             </a:blip>
-            <a:stretch>
-              <a:fillRect/>
-            </a:stretch>
+            <a:srcRect/>
+            <a:stretch/>
           </p:blipFill>
           <p:spPr>
             <a:xfrm>
@@ -12164,13 +12165,13 @@
           <p:nvPr/>
         </p:nvPicPr>
         <p:blipFill>
-          <a:blip r:embed="rId3" cstate="print">
+          <a:blip r:embed="rId4" cstate="print">
             <a:extLst>
               <a:ext uri="{28A0092B-C50C-407E-A947-70E740481C1C}">
                 <a14:useLocalDpi xmlns:a14="http://schemas.microsoft.com/office/drawing/2010/main" val="0"/>
               </a:ext>
               <a:ext uri="{96DAC541-7B7A-43D3-8B79-37D633B846F1}">
-                <asvg:svgBlip xmlns:asvg="http://schemas.microsoft.com/office/drawing/2016/SVG/main" r:embed="rId4"/>
+                <asvg:svgBlip xmlns:asvg="http://schemas.microsoft.com/office/drawing/2016/SVG/main" r:embed="rId5"/>
               </a:ext>
             </a:extLst>
           </a:blip>
@@ -12377,13 +12378,13 @@
           <p:nvPr/>
         </p:nvPicPr>
         <p:blipFill>
-          <a:blip r:embed="rId5">
+          <a:blip r:embed="rId6">
             <a:extLst>
               <a:ext uri="{28A0092B-C50C-407E-A947-70E740481C1C}">
                 <a14:useLocalDpi xmlns:a14="http://schemas.microsoft.com/office/drawing/2010/main" val="0"/>
               </a:ext>
               <a:ext uri="{96DAC541-7B7A-43D3-8B79-37D633B846F1}">
-                <asvg:svgBlip xmlns:asvg="http://schemas.microsoft.com/office/drawing/2016/SVG/main" r:embed="rId6"/>
+                <asvg:svgBlip xmlns:asvg="http://schemas.microsoft.com/office/drawing/2016/SVG/main" r:embed="rId7"/>
               </a:ext>
             </a:extLst>
           </a:blip>
